--- a/Exams/exam2figs.pptx
+++ b/Exams/exam2figs.pptx
@@ -105,6 +105,11 @@
       </a:defRPr>
     </a:lvl9pPr>
   </p:defaultTextStyle>
+  <p:extLst>
+    <p:ext uri="{EFAFB233-063F-42B5-8137-9DF3F51BA10A}">
+      <p15:sldGuideLst xmlns:p15="http://schemas.microsoft.com/office/powerpoint/2012/main"/>
+    </p:ext>
+  </p:extLst>
 </p:presentation>
 </file>
 
@@ -255,7 +260,7 @@
           <a:p>
             <a:fld id="{C2BC73FF-771C-4841-9FA3-DFBD10BF4CAF}" type="datetimeFigureOut">
               <a:rPr lang="en-US" smtClean="0"/>
-              <a:t>7/8/2022</a:t>
+              <a:t>7/9/2022</a:t>
             </a:fld>
             <a:endParaRPr lang="en-US"/>
           </a:p>
@@ -453,7 +458,7 @@
           <a:p>
             <a:fld id="{C2BC73FF-771C-4841-9FA3-DFBD10BF4CAF}" type="datetimeFigureOut">
               <a:rPr lang="en-US" smtClean="0"/>
-              <a:t>7/8/2022</a:t>
+              <a:t>7/9/2022</a:t>
             </a:fld>
             <a:endParaRPr lang="en-US"/>
           </a:p>
@@ -661,7 +666,7 @@
           <a:p>
             <a:fld id="{C2BC73FF-771C-4841-9FA3-DFBD10BF4CAF}" type="datetimeFigureOut">
               <a:rPr lang="en-US" smtClean="0"/>
-              <a:t>7/8/2022</a:t>
+              <a:t>7/9/2022</a:t>
             </a:fld>
             <a:endParaRPr lang="en-US"/>
           </a:p>
@@ -859,7 +864,7 @@
           <a:p>
             <a:fld id="{C2BC73FF-771C-4841-9FA3-DFBD10BF4CAF}" type="datetimeFigureOut">
               <a:rPr lang="en-US" smtClean="0"/>
-              <a:t>7/8/2022</a:t>
+              <a:t>7/9/2022</a:t>
             </a:fld>
             <a:endParaRPr lang="en-US"/>
           </a:p>
@@ -1134,7 +1139,7 @@
           <a:p>
             <a:fld id="{C2BC73FF-771C-4841-9FA3-DFBD10BF4CAF}" type="datetimeFigureOut">
               <a:rPr lang="en-US" smtClean="0"/>
-              <a:t>7/8/2022</a:t>
+              <a:t>7/9/2022</a:t>
             </a:fld>
             <a:endParaRPr lang="en-US"/>
           </a:p>
@@ -1399,7 +1404,7 @@
           <a:p>
             <a:fld id="{C2BC73FF-771C-4841-9FA3-DFBD10BF4CAF}" type="datetimeFigureOut">
               <a:rPr lang="en-US" smtClean="0"/>
-              <a:t>7/8/2022</a:t>
+              <a:t>7/9/2022</a:t>
             </a:fld>
             <a:endParaRPr lang="en-US"/>
           </a:p>
@@ -1811,7 +1816,7 @@
           <a:p>
             <a:fld id="{C2BC73FF-771C-4841-9FA3-DFBD10BF4CAF}" type="datetimeFigureOut">
               <a:rPr lang="en-US" smtClean="0"/>
-              <a:t>7/8/2022</a:t>
+              <a:t>7/9/2022</a:t>
             </a:fld>
             <a:endParaRPr lang="en-US"/>
           </a:p>
@@ -1952,7 +1957,7 @@
           <a:p>
             <a:fld id="{C2BC73FF-771C-4841-9FA3-DFBD10BF4CAF}" type="datetimeFigureOut">
               <a:rPr lang="en-US" smtClean="0"/>
-              <a:t>7/8/2022</a:t>
+              <a:t>7/9/2022</a:t>
             </a:fld>
             <a:endParaRPr lang="en-US"/>
           </a:p>
@@ -2065,7 +2070,7 @@
           <a:p>
             <a:fld id="{C2BC73FF-771C-4841-9FA3-DFBD10BF4CAF}" type="datetimeFigureOut">
               <a:rPr lang="en-US" smtClean="0"/>
-              <a:t>7/8/2022</a:t>
+              <a:t>7/9/2022</a:t>
             </a:fld>
             <a:endParaRPr lang="en-US"/>
           </a:p>
@@ -2376,7 +2381,7 @@
           <a:p>
             <a:fld id="{C2BC73FF-771C-4841-9FA3-DFBD10BF4CAF}" type="datetimeFigureOut">
               <a:rPr lang="en-US" smtClean="0"/>
-              <a:t>7/8/2022</a:t>
+              <a:t>7/9/2022</a:t>
             </a:fld>
             <a:endParaRPr lang="en-US"/>
           </a:p>
@@ -2664,7 +2669,7 @@
           <a:p>
             <a:fld id="{C2BC73FF-771C-4841-9FA3-DFBD10BF4CAF}" type="datetimeFigureOut">
               <a:rPr lang="en-US" smtClean="0"/>
-              <a:t>7/8/2022</a:t>
+              <a:t>7/9/2022</a:t>
             </a:fld>
             <a:endParaRPr lang="en-US"/>
           </a:p>
@@ -2905,7 +2910,7 @@
           <a:p>
             <a:fld id="{C2BC73FF-771C-4841-9FA3-DFBD10BF4CAF}" type="datetimeFigureOut">
               <a:rPr lang="en-US" smtClean="0"/>
-              <a:t>7/8/2022</a:t>
+              <a:t>7/9/2022</a:t>
             </a:fld>
             <a:endParaRPr lang="en-US"/>
           </a:p>
@@ -3322,237 +3327,342 @@
           <a:chExt cx="0" cy="0"/>
         </a:xfrm>
       </p:grpSpPr>
-      <p:grpSp>
-        <p:nvGrpSpPr>
-          <p:cNvPr id="60" name="Group 59">
-            <a:extLst>
-              <a:ext uri="{FF2B5EF4-FFF2-40B4-BE49-F238E27FC236}">
-                <a16:creationId xmlns:a16="http://schemas.microsoft.com/office/drawing/2014/main" id="{45FADAB2-6C19-C332-2ED8-183E8165C431}"/>
-              </a:ext>
-            </a:extLst>
-          </p:cNvPr>
-          <p:cNvGrpSpPr/>
+      <p:cxnSp>
+        <p:nvCxnSpPr>
+          <p:cNvPr id="37" name="Straight Arrow Connector 36">
+            <a:extLst>
+              <a:ext uri="{FF2B5EF4-FFF2-40B4-BE49-F238E27FC236}">
+                <a16:creationId xmlns:a16="http://schemas.microsoft.com/office/drawing/2014/main" id="{9C10BC12-F05C-D1B2-E44A-7CEA479CDEF2}"/>
+              </a:ext>
+            </a:extLst>
+          </p:cNvPr>
+          <p:cNvCxnSpPr/>
           <p:nvPr/>
-        </p:nvGrpSpPr>
-        <p:grpSpPr>
+        </p:nvCxnSpPr>
+        <p:spPr>
+          <a:xfrm>
+            <a:off x="7054747" y="3288165"/>
+            <a:ext cx="1389274" cy="0"/>
+          </a:xfrm>
+          <a:prstGeom prst="straightConnector1">
+            <a:avLst/>
+          </a:prstGeom>
+          <a:ln>
+            <a:solidFill>
+              <a:srgbClr val="00B050"/>
+            </a:solidFill>
+            <a:tailEnd type="triangle"/>
+          </a:ln>
+        </p:spPr>
+        <p:style>
+          <a:lnRef idx="1">
+            <a:schemeClr val="accent1"/>
+          </a:lnRef>
+          <a:fillRef idx="0">
+            <a:schemeClr val="accent1"/>
+          </a:fillRef>
+          <a:effectRef idx="0">
+            <a:schemeClr val="accent1"/>
+          </a:effectRef>
+          <a:fontRef idx="minor">
+            <a:schemeClr val="tx1"/>
+          </a:fontRef>
+        </p:style>
+      </p:cxnSp>
+      <p:cxnSp>
+        <p:nvCxnSpPr>
+          <p:cNvPr id="39" name="Straight Arrow Connector 38">
+            <a:extLst>
+              <a:ext uri="{FF2B5EF4-FFF2-40B4-BE49-F238E27FC236}">
+                <a16:creationId xmlns:a16="http://schemas.microsoft.com/office/drawing/2014/main" id="{EFE68141-F128-F18F-2657-8DBFFE37D084}"/>
+              </a:ext>
+            </a:extLst>
+          </p:cNvPr>
+          <p:cNvCxnSpPr/>
+          <p:nvPr/>
+        </p:nvCxnSpPr>
+        <p:spPr>
+          <a:xfrm>
+            <a:off x="7058293" y="3440565"/>
+            <a:ext cx="1389274" cy="0"/>
+          </a:xfrm>
+          <a:prstGeom prst="straightConnector1">
+            <a:avLst/>
+          </a:prstGeom>
+          <a:ln>
+            <a:solidFill>
+              <a:srgbClr val="00B050"/>
+            </a:solidFill>
+            <a:tailEnd type="triangle"/>
+          </a:ln>
+        </p:spPr>
+        <p:style>
+          <a:lnRef idx="1">
+            <a:schemeClr val="accent1"/>
+          </a:lnRef>
+          <a:fillRef idx="0">
+            <a:schemeClr val="accent1"/>
+          </a:fillRef>
+          <a:effectRef idx="0">
+            <a:schemeClr val="accent1"/>
+          </a:effectRef>
+          <a:fontRef idx="minor">
+            <a:schemeClr val="tx1"/>
+          </a:fontRef>
+        </p:style>
+      </p:cxnSp>
+      <p:cxnSp>
+        <p:nvCxnSpPr>
+          <p:cNvPr id="40" name="Straight Arrow Connector 39">
+            <a:extLst>
+              <a:ext uri="{FF2B5EF4-FFF2-40B4-BE49-F238E27FC236}">
+                <a16:creationId xmlns:a16="http://schemas.microsoft.com/office/drawing/2014/main" id="{46F57468-E420-F133-FBA5-CBB34A37E3BA}"/>
+              </a:ext>
+            </a:extLst>
+          </p:cNvPr>
+          <p:cNvCxnSpPr/>
+          <p:nvPr/>
+        </p:nvCxnSpPr>
+        <p:spPr>
+          <a:xfrm>
+            <a:off x="7055922" y="3587648"/>
+            <a:ext cx="1389274" cy="0"/>
+          </a:xfrm>
+          <a:prstGeom prst="straightConnector1">
+            <a:avLst/>
+          </a:prstGeom>
+          <a:ln>
+            <a:solidFill>
+              <a:srgbClr val="00B050"/>
+            </a:solidFill>
+            <a:tailEnd type="triangle"/>
+          </a:ln>
+        </p:spPr>
+        <p:style>
+          <a:lnRef idx="1">
+            <a:schemeClr val="accent1"/>
+          </a:lnRef>
+          <a:fillRef idx="0">
+            <a:schemeClr val="accent1"/>
+          </a:fillRef>
+          <a:effectRef idx="0">
+            <a:schemeClr val="accent1"/>
+          </a:effectRef>
+          <a:fontRef idx="minor">
+            <a:schemeClr val="tx1"/>
+          </a:fontRef>
+        </p:style>
+      </p:cxnSp>
+      <p:cxnSp>
+        <p:nvCxnSpPr>
+          <p:cNvPr id="59" name="Straight Arrow Connector 58">
+            <a:extLst>
+              <a:ext uri="{FF2B5EF4-FFF2-40B4-BE49-F238E27FC236}">
+                <a16:creationId xmlns:a16="http://schemas.microsoft.com/office/drawing/2014/main" id="{8EBB115A-5370-D8E3-D45E-9D57A6ADCA0A}"/>
+              </a:ext>
+            </a:extLst>
+          </p:cNvPr>
+          <p:cNvCxnSpPr/>
+          <p:nvPr/>
+        </p:nvCxnSpPr>
+        <p:spPr>
           <a:xfrm>
             <a:off x="7052977" y="2544099"/>
-            <a:ext cx="1394590" cy="604283"/>
-            <a:chOff x="7052977" y="2544099"/>
-            <a:chExt cx="1394590" cy="604283"/>
-          </a:xfrm>
-        </p:grpSpPr>
-        <p:cxnSp>
-          <p:nvCxnSpPr>
-            <p:cNvPr id="59" name="Straight Arrow Connector 58">
-              <a:extLst>
-                <a:ext uri="{FF2B5EF4-FFF2-40B4-BE49-F238E27FC236}">
-                  <a16:creationId xmlns:a16="http://schemas.microsoft.com/office/drawing/2014/main" id="{8EBB115A-5370-D8E3-D45E-9D57A6ADCA0A}"/>
-                </a:ext>
-              </a:extLst>
-            </p:cNvPr>
-            <p:cNvCxnSpPr/>
-            <p:nvPr/>
-          </p:nvCxnSpPr>
-          <p:spPr>
-            <a:xfrm>
-              <a:off x="7052977" y="2544099"/>
-              <a:ext cx="1389274" cy="0"/>
-            </a:xfrm>
-            <a:prstGeom prst="straightConnector1">
-              <a:avLst/>
-            </a:prstGeom>
-            <a:ln>
-              <a:solidFill>
-                <a:srgbClr val="00B050"/>
-              </a:solidFill>
-              <a:tailEnd type="triangle"/>
-            </a:ln>
-          </p:spPr>
-          <p:style>
-            <a:lnRef idx="1">
-              <a:schemeClr val="accent1"/>
-            </a:lnRef>
-            <a:fillRef idx="0">
-              <a:schemeClr val="accent1"/>
-            </a:fillRef>
-            <a:effectRef idx="0">
-              <a:schemeClr val="accent1"/>
-            </a:effectRef>
-            <a:fontRef idx="minor">
-              <a:schemeClr val="tx1"/>
-            </a:fontRef>
-          </p:style>
-        </p:cxnSp>
-        <p:cxnSp>
-          <p:nvCxnSpPr>
-            <p:cNvPr id="61" name="Straight Arrow Connector 60">
-              <a:extLst>
-                <a:ext uri="{FF2B5EF4-FFF2-40B4-BE49-F238E27FC236}">
-                  <a16:creationId xmlns:a16="http://schemas.microsoft.com/office/drawing/2014/main" id="{BC074EA2-7C8F-9865-191E-10D5F27A047E}"/>
-                </a:ext>
-              </a:extLst>
-            </p:cNvPr>
-            <p:cNvCxnSpPr/>
-            <p:nvPr/>
-          </p:nvCxnSpPr>
-          <p:spPr>
-            <a:xfrm>
-              <a:off x="7056526" y="2696499"/>
-              <a:ext cx="1389274" cy="0"/>
-            </a:xfrm>
-            <a:prstGeom prst="straightConnector1">
-              <a:avLst/>
-            </a:prstGeom>
-            <a:ln>
-              <a:solidFill>
-                <a:srgbClr val="00B050"/>
-              </a:solidFill>
-              <a:tailEnd type="triangle"/>
-            </a:ln>
-          </p:spPr>
-          <p:style>
-            <a:lnRef idx="1">
-              <a:schemeClr val="accent1"/>
-            </a:lnRef>
-            <a:fillRef idx="0">
-              <a:schemeClr val="accent1"/>
-            </a:fillRef>
-            <a:effectRef idx="0">
-              <a:schemeClr val="accent1"/>
-            </a:effectRef>
-            <a:fontRef idx="minor">
-              <a:schemeClr val="tx1"/>
-            </a:fontRef>
-          </p:style>
-        </p:cxnSp>
-        <p:cxnSp>
-          <p:nvCxnSpPr>
-            <p:cNvPr id="62" name="Straight Arrow Connector 61">
-              <a:extLst>
-                <a:ext uri="{FF2B5EF4-FFF2-40B4-BE49-F238E27FC236}">
-                  <a16:creationId xmlns:a16="http://schemas.microsoft.com/office/drawing/2014/main" id="{E7BEBCAE-EDD9-109B-C39C-D3071C95A35B}"/>
-                </a:ext>
-              </a:extLst>
-            </p:cNvPr>
-            <p:cNvCxnSpPr/>
-            <p:nvPr/>
-          </p:nvCxnSpPr>
-          <p:spPr>
-            <a:xfrm>
-              <a:off x="7054747" y="2848899"/>
-              <a:ext cx="1389274" cy="0"/>
-            </a:xfrm>
-            <a:prstGeom prst="straightConnector1">
-              <a:avLst/>
-            </a:prstGeom>
-            <a:ln>
-              <a:solidFill>
-                <a:srgbClr val="00B050"/>
-              </a:solidFill>
-              <a:tailEnd type="triangle"/>
-            </a:ln>
-          </p:spPr>
-          <p:style>
-            <a:lnRef idx="1">
-              <a:schemeClr val="accent1"/>
-            </a:lnRef>
-            <a:fillRef idx="0">
-              <a:schemeClr val="accent1"/>
-            </a:fillRef>
-            <a:effectRef idx="0">
-              <a:schemeClr val="accent1"/>
-            </a:effectRef>
-            <a:fontRef idx="minor">
-              <a:schemeClr val="tx1"/>
-            </a:fontRef>
-          </p:style>
-        </p:cxnSp>
-        <p:cxnSp>
-          <p:nvCxnSpPr>
-            <p:cNvPr id="63" name="Straight Arrow Connector 62">
-              <a:extLst>
-                <a:ext uri="{FF2B5EF4-FFF2-40B4-BE49-F238E27FC236}">
-                  <a16:creationId xmlns:a16="http://schemas.microsoft.com/office/drawing/2014/main" id="{57ABF9CF-3AA0-D35C-2A26-DF6BFAEF5B62}"/>
-                </a:ext>
-              </a:extLst>
-            </p:cNvPr>
-            <p:cNvCxnSpPr/>
-            <p:nvPr/>
-          </p:nvCxnSpPr>
-          <p:spPr>
-            <a:xfrm>
-              <a:off x="7058293" y="3001299"/>
-              <a:ext cx="1389274" cy="0"/>
-            </a:xfrm>
-            <a:prstGeom prst="straightConnector1">
-              <a:avLst/>
-            </a:prstGeom>
-            <a:ln>
-              <a:solidFill>
-                <a:srgbClr val="00B050"/>
-              </a:solidFill>
-              <a:tailEnd type="triangle"/>
-            </a:ln>
-          </p:spPr>
-          <p:style>
-            <a:lnRef idx="1">
-              <a:schemeClr val="accent1"/>
-            </a:lnRef>
-            <a:fillRef idx="0">
-              <a:schemeClr val="accent1"/>
-            </a:fillRef>
-            <a:effectRef idx="0">
-              <a:schemeClr val="accent1"/>
-            </a:effectRef>
-            <a:fontRef idx="minor">
-              <a:schemeClr val="tx1"/>
-            </a:fontRef>
-          </p:style>
-        </p:cxnSp>
-        <p:cxnSp>
-          <p:nvCxnSpPr>
-            <p:cNvPr id="64" name="Straight Arrow Connector 63">
-              <a:extLst>
-                <a:ext uri="{FF2B5EF4-FFF2-40B4-BE49-F238E27FC236}">
-                  <a16:creationId xmlns:a16="http://schemas.microsoft.com/office/drawing/2014/main" id="{90CB6B99-66AE-1A63-87A3-F1A494951CA6}"/>
-                </a:ext>
-              </a:extLst>
-            </p:cNvPr>
-            <p:cNvCxnSpPr/>
-            <p:nvPr/>
-          </p:nvCxnSpPr>
-          <p:spPr>
-            <a:xfrm>
-              <a:off x="7055922" y="3148382"/>
-              <a:ext cx="1389274" cy="0"/>
-            </a:xfrm>
-            <a:prstGeom prst="straightConnector1">
-              <a:avLst/>
-            </a:prstGeom>
-            <a:ln>
-              <a:solidFill>
-                <a:srgbClr val="00B050"/>
-              </a:solidFill>
-              <a:tailEnd type="triangle"/>
-            </a:ln>
-          </p:spPr>
-          <p:style>
-            <a:lnRef idx="1">
-              <a:schemeClr val="accent1"/>
-            </a:lnRef>
-            <a:fillRef idx="0">
-              <a:schemeClr val="accent1"/>
-            </a:fillRef>
-            <a:effectRef idx="0">
-              <a:schemeClr val="accent1"/>
-            </a:effectRef>
-            <a:fontRef idx="minor">
-              <a:schemeClr val="tx1"/>
-            </a:fontRef>
-          </p:style>
-        </p:cxnSp>
-      </p:grpSp>
+            <a:ext cx="1389274" cy="0"/>
+          </a:xfrm>
+          <a:prstGeom prst="straightConnector1">
+            <a:avLst/>
+          </a:prstGeom>
+          <a:ln>
+            <a:solidFill>
+              <a:srgbClr val="00B050"/>
+            </a:solidFill>
+            <a:tailEnd type="triangle"/>
+          </a:ln>
+        </p:spPr>
+        <p:style>
+          <a:lnRef idx="1">
+            <a:schemeClr val="accent1"/>
+          </a:lnRef>
+          <a:fillRef idx="0">
+            <a:schemeClr val="accent1"/>
+          </a:fillRef>
+          <a:effectRef idx="0">
+            <a:schemeClr val="accent1"/>
+          </a:effectRef>
+          <a:fontRef idx="minor">
+            <a:schemeClr val="tx1"/>
+          </a:fontRef>
+        </p:style>
+      </p:cxnSp>
+      <p:cxnSp>
+        <p:nvCxnSpPr>
+          <p:cNvPr id="61" name="Straight Arrow Connector 60">
+            <a:extLst>
+              <a:ext uri="{FF2B5EF4-FFF2-40B4-BE49-F238E27FC236}">
+                <a16:creationId xmlns:a16="http://schemas.microsoft.com/office/drawing/2014/main" id="{BC074EA2-7C8F-9865-191E-10D5F27A047E}"/>
+              </a:ext>
+            </a:extLst>
+          </p:cNvPr>
+          <p:cNvCxnSpPr/>
+          <p:nvPr/>
+        </p:nvCxnSpPr>
+        <p:spPr>
+          <a:xfrm>
+            <a:off x="7056526" y="2696499"/>
+            <a:ext cx="1389274" cy="0"/>
+          </a:xfrm>
+          <a:prstGeom prst="straightConnector1">
+            <a:avLst/>
+          </a:prstGeom>
+          <a:ln>
+            <a:solidFill>
+              <a:srgbClr val="00B050"/>
+            </a:solidFill>
+            <a:tailEnd type="triangle"/>
+          </a:ln>
+        </p:spPr>
+        <p:style>
+          <a:lnRef idx="1">
+            <a:schemeClr val="accent1"/>
+          </a:lnRef>
+          <a:fillRef idx="0">
+            <a:schemeClr val="accent1"/>
+          </a:fillRef>
+          <a:effectRef idx="0">
+            <a:schemeClr val="accent1"/>
+          </a:effectRef>
+          <a:fontRef idx="minor">
+            <a:schemeClr val="tx1"/>
+          </a:fontRef>
+        </p:style>
+      </p:cxnSp>
+      <p:cxnSp>
+        <p:nvCxnSpPr>
+          <p:cNvPr id="62" name="Straight Arrow Connector 61">
+            <a:extLst>
+              <a:ext uri="{FF2B5EF4-FFF2-40B4-BE49-F238E27FC236}">
+                <a16:creationId xmlns:a16="http://schemas.microsoft.com/office/drawing/2014/main" id="{E7BEBCAE-EDD9-109B-C39C-D3071C95A35B}"/>
+              </a:ext>
+            </a:extLst>
+          </p:cNvPr>
+          <p:cNvCxnSpPr/>
+          <p:nvPr/>
+        </p:nvCxnSpPr>
+        <p:spPr>
+          <a:xfrm>
+            <a:off x="7054747" y="2848899"/>
+            <a:ext cx="1389274" cy="0"/>
+          </a:xfrm>
+          <a:prstGeom prst="straightConnector1">
+            <a:avLst/>
+          </a:prstGeom>
+          <a:ln>
+            <a:solidFill>
+              <a:srgbClr val="00B050"/>
+            </a:solidFill>
+            <a:tailEnd type="triangle"/>
+          </a:ln>
+        </p:spPr>
+        <p:style>
+          <a:lnRef idx="1">
+            <a:schemeClr val="accent1"/>
+          </a:lnRef>
+          <a:fillRef idx="0">
+            <a:schemeClr val="accent1"/>
+          </a:fillRef>
+          <a:effectRef idx="0">
+            <a:schemeClr val="accent1"/>
+          </a:effectRef>
+          <a:fontRef idx="minor">
+            <a:schemeClr val="tx1"/>
+          </a:fontRef>
+        </p:style>
+      </p:cxnSp>
+      <p:cxnSp>
+        <p:nvCxnSpPr>
+          <p:cNvPr id="63" name="Straight Arrow Connector 62">
+            <a:extLst>
+              <a:ext uri="{FF2B5EF4-FFF2-40B4-BE49-F238E27FC236}">
+                <a16:creationId xmlns:a16="http://schemas.microsoft.com/office/drawing/2014/main" id="{57ABF9CF-3AA0-D35C-2A26-DF6BFAEF5B62}"/>
+              </a:ext>
+            </a:extLst>
+          </p:cNvPr>
+          <p:cNvCxnSpPr/>
+          <p:nvPr/>
+        </p:nvCxnSpPr>
+        <p:spPr>
+          <a:xfrm>
+            <a:off x="7058293" y="3001299"/>
+            <a:ext cx="1389274" cy="0"/>
+          </a:xfrm>
+          <a:prstGeom prst="straightConnector1">
+            <a:avLst/>
+          </a:prstGeom>
+          <a:ln>
+            <a:solidFill>
+              <a:srgbClr val="00B050"/>
+            </a:solidFill>
+            <a:tailEnd type="triangle"/>
+          </a:ln>
+        </p:spPr>
+        <p:style>
+          <a:lnRef idx="1">
+            <a:schemeClr val="accent1"/>
+          </a:lnRef>
+          <a:fillRef idx="0">
+            <a:schemeClr val="accent1"/>
+          </a:fillRef>
+          <a:effectRef idx="0">
+            <a:schemeClr val="accent1"/>
+          </a:effectRef>
+          <a:fontRef idx="minor">
+            <a:schemeClr val="tx1"/>
+          </a:fontRef>
+        </p:style>
+      </p:cxnSp>
+      <p:cxnSp>
+        <p:nvCxnSpPr>
+          <p:cNvPr id="64" name="Straight Arrow Connector 63">
+            <a:extLst>
+              <a:ext uri="{FF2B5EF4-FFF2-40B4-BE49-F238E27FC236}">
+                <a16:creationId xmlns:a16="http://schemas.microsoft.com/office/drawing/2014/main" id="{90CB6B99-66AE-1A63-87A3-F1A494951CA6}"/>
+              </a:ext>
+            </a:extLst>
+          </p:cNvPr>
+          <p:cNvCxnSpPr/>
+          <p:nvPr/>
+        </p:nvCxnSpPr>
+        <p:spPr>
+          <a:xfrm>
+            <a:off x="7055922" y="3148382"/>
+            <a:ext cx="1389274" cy="0"/>
+          </a:xfrm>
+          <a:prstGeom prst="straightConnector1">
+            <a:avLst/>
+          </a:prstGeom>
+          <a:ln>
+            <a:solidFill>
+              <a:srgbClr val="00B050"/>
+            </a:solidFill>
+            <a:tailEnd type="triangle"/>
+          </a:ln>
+        </p:spPr>
+        <p:style>
+          <a:lnRef idx="1">
+            <a:schemeClr val="accent1"/>
+          </a:lnRef>
+          <a:fillRef idx="0">
+            <a:schemeClr val="accent1"/>
+          </a:fillRef>
+          <a:effectRef idx="0">
+            <a:schemeClr val="accent1"/>
+          </a:effectRef>
+          <a:fontRef idx="minor">
+            <a:schemeClr val="tx1"/>
+          </a:fontRef>
+        </p:style>
+      </p:cxnSp>
       <p:pic>
         <p:nvPicPr>
           <p:cNvPr id="1026" name="Picture 2">
@@ -4205,8 +4315,8 @@
         </p:nvSpPr>
         <p:spPr>
           <a:xfrm>
-            <a:off x="10292368" y="917586"/>
-            <a:ext cx="1036630" cy="369332"/>
+            <a:off x="10010363" y="924939"/>
+            <a:ext cx="1722716" cy="369332"/>
           </a:xfrm>
           <a:prstGeom prst="rect">
             <a:avLst/>
@@ -4221,8 +4331,27 @@
           <a:p>
             <a:r>
               <a:rPr lang="en-US" dirty="0"/>
-              <a:t>Top View</a:t>
-            </a:r>
+              <a:t>Top View (</a:t>
+            </a:r>
+            <a:r>
+              <a:rPr lang="en-US" dirty="0">
+                <a:latin typeface="SWGrekc" panose="00000400000000000000" pitchFamily="2" charset="0"/>
+              </a:rPr>
+              <a:t>Q</a:t>
+            </a:r>
+            <a:r>
+              <a:rPr lang="en-US" dirty="0"/>
+              <a:t>=0</a:t>
+            </a:r>
+            <a:r>
+              <a:rPr lang="en-US" baseline="30000" dirty="0"/>
+              <a:t>o</a:t>
+            </a:r>
+            <a:r>
+              <a:rPr lang="en-US" dirty="0"/>
+              <a:t>)</a:t>
+            </a:r>
+            <a:endParaRPr lang="en-US" baseline="30000" dirty="0"/>
           </a:p>
         </p:txBody>
       </p:sp>
@@ -4622,45 +4751,6 @@
       </p:sp>
       <p:sp>
         <p:nvSpPr>
-          <p:cNvPr id="57" name="TextBox 56">
-            <a:extLst>
-              <a:ext uri="{FF2B5EF4-FFF2-40B4-BE49-F238E27FC236}">
-                <a16:creationId xmlns:a16="http://schemas.microsoft.com/office/drawing/2014/main" id="{11736D1D-9403-96E2-6763-035DA98FB8DA}"/>
-              </a:ext>
-            </a:extLst>
-          </p:cNvPr>
-          <p:cNvSpPr txBox="1"/>
-          <p:nvPr/>
-        </p:nvSpPr>
-        <p:spPr>
-          <a:xfrm>
-            <a:off x="7294391" y="2917632"/>
-            <a:ext cx="429926" cy="307777"/>
-          </a:xfrm>
-          <a:prstGeom prst="rect">
-            <a:avLst/>
-          </a:prstGeom>
-          <a:noFill/>
-        </p:spPr>
-        <p:txBody>
-          <a:bodyPr wrap="none" rtlCol="0">
-            <a:spAutoFit/>
-          </a:bodyPr>
-          <a:lstStyle/>
-          <a:p>
-            <a:r>
-              <a:rPr lang="en-US" sz="1400" dirty="0"/>
-              <a:t>45</a:t>
-            </a:r>
-            <a:r>
-              <a:rPr lang="en-US" sz="1400" baseline="30000" dirty="0"/>
-              <a:t>o</a:t>
-            </a:r>
-          </a:p>
-        </p:txBody>
-      </p:sp>
-      <p:sp>
-        <p:nvSpPr>
           <p:cNvPr id="65" name="TextBox 64">
             <a:extLst>
               <a:ext uri="{FF2B5EF4-FFF2-40B4-BE49-F238E27FC236}">
@@ -4694,6 +4784,43 @@
                 </a:solidFill>
               </a:rPr>
               <a:t>B=80mT</a:t>
+            </a:r>
+          </a:p>
+        </p:txBody>
+      </p:sp>
+      <p:sp>
+        <p:nvSpPr>
+          <p:cNvPr id="2" name="TextBox 1">
+            <a:extLst>
+              <a:ext uri="{FF2B5EF4-FFF2-40B4-BE49-F238E27FC236}">
+                <a16:creationId xmlns:a16="http://schemas.microsoft.com/office/drawing/2014/main" id="{24FF1417-020D-95A3-BB48-E7C64CBD09D5}"/>
+              </a:ext>
+            </a:extLst>
+          </p:cNvPr>
+          <p:cNvSpPr txBox="1"/>
+          <p:nvPr/>
+        </p:nvSpPr>
+        <p:spPr>
+          <a:xfrm>
+            <a:off x="7322381" y="2903279"/>
+            <a:ext cx="806824" cy="646331"/>
+          </a:xfrm>
+          <a:prstGeom prst="rect">
+            <a:avLst/>
+          </a:prstGeom>
+          <a:noFill/>
+        </p:spPr>
+        <p:txBody>
+          <a:bodyPr wrap="square" rtlCol="0">
+            <a:spAutoFit/>
+          </a:bodyPr>
+          <a:lstStyle/>
+          <a:p>
+            <a:r>
+              <a:rPr lang="en-US" dirty="0">
+                <a:latin typeface="SWGrekc" panose="00000400000000000000" pitchFamily="2" charset="0"/>
+              </a:rPr>
+              <a:t>Q	</a:t>
             </a:r>
           </a:p>
         </p:txBody>
@@ -5316,12 +5443,47 @@
           </a:fontRef>
         </p:style>
       </p:cxnSp>
+      <p:sp>
+        <p:nvSpPr>
+          <p:cNvPr id="31" name="TextBox 30">
+            <a:extLst>
+              <a:ext uri="{FF2B5EF4-FFF2-40B4-BE49-F238E27FC236}">
+                <a16:creationId xmlns:a16="http://schemas.microsoft.com/office/drawing/2014/main" id="{910CF191-3C8C-AB3C-BCDD-0DFEA90832B5}"/>
+              </a:ext>
+            </a:extLst>
+          </p:cNvPr>
+          <p:cNvSpPr txBox="1"/>
+          <p:nvPr/>
+        </p:nvSpPr>
+        <p:spPr>
+          <a:xfrm>
+            <a:off x="2358126" y="2239980"/>
+            <a:ext cx="550151" cy="369332"/>
+          </a:xfrm>
+          <a:prstGeom prst="rect">
+            <a:avLst/>
+          </a:prstGeom>
+          <a:noFill/>
+        </p:spPr>
+        <p:txBody>
+          <a:bodyPr wrap="none" rtlCol="0">
+            <a:spAutoFit/>
+          </a:bodyPr>
+          <a:lstStyle/>
+          <a:p>
+            <a:r>
+              <a:rPr lang="en-US" dirty="0"/>
+              <a:t>12V</a:t>
+            </a:r>
+          </a:p>
+        </p:txBody>
+      </p:sp>
       <p:cxnSp>
         <p:nvCxnSpPr>
-          <p:cNvPr id="26" name="Straight Connector 25">
-            <a:extLst>
-              <a:ext uri="{FF2B5EF4-FFF2-40B4-BE49-F238E27FC236}">
-                <a16:creationId xmlns:a16="http://schemas.microsoft.com/office/drawing/2014/main" id="{6607C559-2704-2BE1-4F6A-38A622B81D2A}"/>
+          <p:cNvPr id="17" name="Straight Connector 16">
+            <a:extLst>
+              <a:ext uri="{FF2B5EF4-FFF2-40B4-BE49-F238E27FC236}">
+                <a16:creationId xmlns:a16="http://schemas.microsoft.com/office/drawing/2014/main" id="{27744A12-5B00-A394-7C1C-32E737BA6BC4}"/>
               </a:ext>
             </a:extLst>
           </p:cNvPr>
@@ -5330,8 +5492,8 @@
         </p:nvCxnSpPr>
         <p:spPr>
           <a:xfrm>
-            <a:off x="4409855" y="1580954"/>
-            <a:ext cx="0" cy="1221858"/>
+            <a:off x="4404245" y="1602858"/>
+            <a:ext cx="0" cy="401379"/>
           </a:xfrm>
           <a:prstGeom prst="line">
             <a:avLst/>
@@ -5357,12 +5519,392 @@
           </a:fontRef>
         </p:style>
       </p:cxnSp>
-      <p:sp>
-        <p:nvSpPr>
-          <p:cNvPr id="31" name="TextBox 30">
-            <a:extLst>
-              <a:ext uri="{FF2B5EF4-FFF2-40B4-BE49-F238E27FC236}">
-                <a16:creationId xmlns:a16="http://schemas.microsoft.com/office/drawing/2014/main" id="{910CF191-3C8C-AB3C-BCDD-0DFEA90832B5}"/>
+      <p:grpSp>
+        <p:nvGrpSpPr>
+          <p:cNvPr id="21" name="Group 20">
+            <a:extLst>
+              <a:ext uri="{FF2B5EF4-FFF2-40B4-BE49-F238E27FC236}">
+                <a16:creationId xmlns:a16="http://schemas.microsoft.com/office/drawing/2014/main" id="{8B20B85F-09C0-32F7-40AC-44CD3642029A}"/>
+              </a:ext>
+            </a:extLst>
+          </p:cNvPr>
+          <p:cNvGrpSpPr/>
+          <p:nvPr/>
+        </p:nvGrpSpPr>
+        <p:grpSpPr>
+          <a:xfrm>
+            <a:off x="4345786" y="2003409"/>
+            <a:ext cx="94477" cy="514571"/>
+            <a:chOff x="4357006" y="2035600"/>
+            <a:chExt cx="94477" cy="514571"/>
+          </a:xfrm>
+        </p:grpSpPr>
+        <p:grpSp>
+          <p:nvGrpSpPr>
+            <p:cNvPr id="11" name="Group 10">
+              <a:extLst>
+                <a:ext uri="{FF2B5EF4-FFF2-40B4-BE49-F238E27FC236}">
+                  <a16:creationId xmlns:a16="http://schemas.microsoft.com/office/drawing/2014/main" id="{57FCD335-A3DF-E1B5-35FE-35BF0513D360}"/>
+                </a:ext>
+              </a:extLst>
+            </p:cNvPr>
+            <p:cNvGrpSpPr/>
+            <p:nvPr/>
+          </p:nvGrpSpPr>
+          <p:grpSpPr>
+            <a:xfrm>
+              <a:off x="4357006" y="2097518"/>
+              <a:ext cx="94477" cy="387852"/>
+              <a:chOff x="4315378" y="2088776"/>
+              <a:chExt cx="94477" cy="387852"/>
+            </a:xfrm>
+          </p:grpSpPr>
+          <p:cxnSp>
+            <p:nvCxnSpPr>
+              <p:cNvPr id="5" name="Straight Connector 4">
+                <a:extLst>
+                  <a:ext uri="{FF2B5EF4-FFF2-40B4-BE49-F238E27FC236}">
+                    <a16:creationId xmlns:a16="http://schemas.microsoft.com/office/drawing/2014/main" id="{2971109D-98A8-AD1D-1849-1830E42F6EAE}"/>
+                  </a:ext>
+                </a:extLst>
+              </p:cNvPr>
+              <p:cNvCxnSpPr/>
+              <p:nvPr/>
+            </p:nvCxnSpPr>
+            <p:spPr>
+              <a:xfrm flipH="1">
+                <a:off x="4320988" y="2088776"/>
+                <a:ext cx="88867" cy="71718"/>
+              </a:xfrm>
+              <a:prstGeom prst="line">
+                <a:avLst/>
+              </a:prstGeom>
+              <a:ln w="28575">
+                <a:solidFill>
+                  <a:schemeClr val="tx1"/>
+                </a:solidFill>
+              </a:ln>
+            </p:spPr>
+            <p:style>
+              <a:lnRef idx="1">
+                <a:schemeClr val="accent1"/>
+              </a:lnRef>
+              <a:fillRef idx="0">
+                <a:schemeClr val="accent1"/>
+              </a:fillRef>
+              <a:effectRef idx="0">
+                <a:schemeClr val="accent1"/>
+              </a:effectRef>
+              <a:fontRef idx="minor">
+                <a:schemeClr val="tx1"/>
+              </a:fontRef>
+            </p:style>
+          </p:cxnSp>
+          <p:cxnSp>
+            <p:nvCxnSpPr>
+              <p:cNvPr id="23" name="Straight Connector 22">
+                <a:extLst>
+                  <a:ext uri="{FF2B5EF4-FFF2-40B4-BE49-F238E27FC236}">
+                    <a16:creationId xmlns:a16="http://schemas.microsoft.com/office/drawing/2014/main" id="{1D4CFA3E-DD21-09FD-5870-D4E526F05E91}"/>
+                  </a:ext>
+                </a:extLst>
+              </p:cNvPr>
+              <p:cNvCxnSpPr>
+                <a:cxnSpLocks/>
+              </p:cNvCxnSpPr>
+              <p:nvPr/>
+            </p:nvCxnSpPr>
+            <p:spPr>
+              <a:xfrm rot="5400000" flipH="1">
+                <a:off x="4312413" y="2166976"/>
+                <a:ext cx="88867" cy="71718"/>
+              </a:xfrm>
+              <a:prstGeom prst="line">
+                <a:avLst/>
+              </a:prstGeom>
+              <a:ln w="28575">
+                <a:solidFill>
+                  <a:schemeClr val="tx1"/>
+                </a:solidFill>
+              </a:ln>
+            </p:spPr>
+            <p:style>
+              <a:lnRef idx="1">
+                <a:schemeClr val="accent1"/>
+              </a:lnRef>
+              <a:fillRef idx="0">
+                <a:schemeClr val="accent1"/>
+              </a:fillRef>
+              <a:effectRef idx="0">
+                <a:schemeClr val="accent1"/>
+              </a:effectRef>
+              <a:fontRef idx="minor">
+                <a:schemeClr val="tx1"/>
+              </a:fontRef>
+            </p:style>
+          </p:cxnSp>
+          <p:cxnSp>
+            <p:nvCxnSpPr>
+              <p:cNvPr id="27" name="Straight Connector 26">
+                <a:extLst>
+                  <a:ext uri="{FF2B5EF4-FFF2-40B4-BE49-F238E27FC236}">
+                    <a16:creationId xmlns:a16="http://schemas.microsoft.com/office/drawing/2014/main" id="{09FBF3B9-781B-FE7D-CA52-C5DD63859F20}"/>
+                  </a:ext>
+                </a:extLst>
+              </p:cNvPr>
+              <p:cNvCxnSpPr/>
+              <p:nvPr/>
+            </p:nvCxnSpPr>
+            <p:spPr>
+              <a:xfrm flipH="1">
+                <a:off x="4315378" y="2248063"/>
+                <a:ext cx="88867" cy="71718"/>
+              </a:xfrm>
+              <a:prstGeom prst="line">
+                <a:avLst/>
+              </a:prstGeom>
+              <a:ln w="28575">
+                <a:solidFill>
+                  <a:schemeClr val="tx1"/>
+                </a:solidFill>
+              </a:ln>
+            </p:spPr>
+            <p:style>
+              <a:lnRef idx="1">
+                <a:schemeClr val="accent1"/>
+              </a:lnRef>
+              <a:fillRef idx="0">
+                <a:schemeClr val="accent1"/>
+              </a:fillRef>
+              <a:effectRef idx="0">
+                <a:schemeClr val="accent1"/>
+              </a:effectRef>
+              <a:fontRef idx="minor">
+                <a:schemeClr val="tx1"/>
+              </a:fontRef>
+            </p:style>
+          </p:cxnSp>
+          <p:cxnSp>
+            <p:nvCxnSpPr>
+              <p:cNvPr id="28" name="Straight Connector 27">
+                <a:extLst>
+                  <a:ext uri="{FF2B5EF4-FFF2-40B4-BE49-F238E27FC236}">
+                    <a16:creationId xmlns:a16="http://schemas.microsoft.com/office/drawing/2014/main" id="{29B0C978-64B8-C9E8-79CF-F5C4A925355F}"/>
+                  </a:ext>
+                </a:extLst>
+              </p:cNvPr>
+              <p:cNvCxnSpPr/>
+              <p:nvPr/>
+            </p:nvCxnSpPr>
+            <p:spPr>
+              <a:xfrm flipH="1">
+                <a:off x="4315378" y="2404910"/>
+                <a:ext cx="88867" cy="71718"/>
+              </a:xfrm>
+              <a:prstGeom prst="line">
+                <a:avLst/>
+              </a:prstGeom>
+              <a:ln w="28575">
+                <a:solidFill>
+                  <a:schemeClr val="tx1"/>
+                </a:solidFill>
+              </a:ln>
+            </p:spPr>
+            <p:style>
+              <a:lnRef idx="1">
+                <a:schemeClr val="accent1"/>
+              </a:lnRef>
+              <a:fillRef idx="0">
+                <a:schemeClr val="accent1"/>
+              </a:fillRef>
+              <a:effectRef idx="0">
+                <a:schemeClr val="accent1"/>
+              </a:effectRef>
+              <a:fontRef idx="minor">
+                <a:schemeClr val="tx1"/>
+              </a:fontRef>
+            </p:style>
+          </p:cxnSp>
+          <p:cxnSp>
+            <p:nvCxnSpPr>
+              <p:cNvPr id="29" name="Straight Connector 28">
+                <a:extLst>
+                  <a:ext uri="{FF2B5EF4-FFF2-40B4-BE49-F238E27FC236}">
+                    <a16:creationId xmlns:a16="http://schemas.microsoft.com/office/drawing/2014/main" id="{064A6373-B5DF-D63B-F2AA-79AE82A9B7FC}"/>
+                  </a:ext>
+                </a:extLst>
+              </p:cNvPr>
+              <p:cNvCxnSpPr>
+                <a:cxnSpLocks/>
+              </p:cNvCxnSpPr>
+              <p:nvPr/>
+            </p:nvCxnSpPr>
+            <p:spPr>
+              <a:xfrm rot="5400000" flipH="1">
+                <a:off x="4312413" y="2327057"/>
+                <a:ext cx="88867" cy="71718"/>
+              </a:xfrm>
+              <a:prstGeom prst="line">
+                <a:avLst/>
+              </a:prstGeom>
+              <a:ln w="28575">
+                <a:solidFill>
+                  <a:schemeClr val="tx1"/>
+                </a:solidFill>
+              </a:ln>
+            </p:spPr>
+            <p:style>
+              <a:lnRef idx="1">
+                <a:schemeClr val="accent1"/>
+              </a:lnRef>
+              <a:fillRef idx="0">
+                <a:schemeClr val="accent1"/>
+              </a:fillRef>
+              <a:effectRef idx="0">
+                <a:schemeClr val="accent1"/>
+              </a:effectRef>
+              <a:fontRef idx="minor">
+                <a:schemeClr val="tx1"/>
+              </a:fontRef>
+            </p:style>
+          </p:cxnSp>
+        </p:grpSp>
+        <p:cxnSp>
+          <p:nvCxnSpPr>
+            <p:cNvPr id="30" name="Straight Connector 29">
+              <a:extLst>
+                <a:ext uri="{FF2B5EF4-FFF2-40B4-BE49-F238E27FC236}">
+                  <a16:creationId xmlns:a16="http://schemas.microsoft.com/office/drawing/2014/main" id="{D3521149-4E08-997E-537D-0261FD13D7BA}"/>
+                </a:ext>
+              </a:extLst>
+            </p:cNvPr>
+            <p:cNvCxnSpPr>
+              <a:cxnSpLocks/>
+            </p:cNvCxnSpPr>
+            <p:nvPr/>
+          </p:nvCxnSpPr>
+          <p:spPr>
+            <a:xfrm flipH="1" flipV="1">
+              <a:off x="4407049" y="2035600"/>
+              <a:ext cx="38823" cy="75179"/>
+            </a:xfrm>
+            <a:prstGeom prst="line">
+              <a:avLst/>
+            </a:prstGeom>
+            <a:ln w="28575">
+              <a:solidFill>
+                <a:schemeClr val="tx1"/>
+              </a:solidFill>
+            </a:ln>
+          </p:spPr>
+          <p:style>
+            <a:lnRef idx="1">
+              <a:schemeClr val="accent1"/>
+            </a:lnRef>
+            <a:fillRef idx="0">
+              <a:schemeClr val="accent1"/>
+            </a:fillRef>
+            <a:effectRef idx="0">
+              <a:schemeClr val="accent1"/>
+            </a:effectRef>
+            <a:fontRef idx="minor">
+              <a:schemeClr val="tx1"/>
+            </a:fontRef>
+          </p:style>
+        </p:cxnSp>
+        <p:cxnSp>
+          <p:nvCxnSpPr>
+            <p:cNvPr id="32" name="Straight Connector 31">
+              <a:extLst>
+                <a:ext uri="{FF2B5EF4-FFF2-40B4-BE49-F238E27FC236}">
+                  <a16:creationId xmlns:a16="http://schemas.microsoft.com/office/drawing/2014/main" id="{C3EC35A3-23A7-7BF3-9357-A0485678314E}"/>
+                </a:ext>
+              </a:extLst>
+            </p:cNvPr>
+            <p:cNvCxnSpPr>
+              <a:cxnSpLocks/>
+            </p:cNvCxnSpPr>
+            <p:nvPr/>
+          </p:nvCxnSpPr>
+          <p:spPr>
+            <a:xfrm flipH="1" flipV="1">
+              <a:off x="4366488" y="2474992"/>
+              <a:ext cx="38823" cy="75179"/>
+            </a:xfrm>
+            <a:prstGeom prst="line">
+              <a:avLst/>
+            </a:prstGeom>
+            <a:ln w="28575">
+              <a:solidFill>
+                <a:schemeClr val="tx1"/>
+              </a:solidFill>
+            </a:ln>
+          </p:spPr>
+          <p:style>
+            <a:lnRef idx="1">
+              <a:schemeClr val="accent1"/>
+            </a:lnRef>
+            <a:fillRef idx="0">
+              <a:schemeClr val="accent1"/>
+            </a:fillRef>
+            <a:effectRef idx="0">
+              <a:schemeClr val="accent1"/>
+            </a:effectRef>
+            <a:fontRef idx="minor">
+              <a:schemeClr val="tx1"/>
+            </a:fontRef>
+          </p:style>
+        </p:cxnSp>
+      </p:grpSp>
+      <p:cxnSp>
+        <p:nvCxnSpPr>
+          <p:cNvPr id="35" name="Straight Connector 34">
+            <a:extLst>
+              <a:ext uri="{FF2B5EF4-FFF2-40B4-BE49-F238E27FC236}">
+                <a16:creationId xmlns:a16="http://schemas.microsoft.com/office/drawing/2014/main" id="{183344EE-BA8F-079A-FE5C-AE60173E13B4}"/>
+              </a:ext>
+            </a:extLst>
+          </p:cNvPr>
+          <p:cNvCxnSpPr>
+            <a:cxnSpLocks/>
+          </p:cNvCxnSpPr>
+          <p:nvPr/>
+        </p:nvCxnSpPr>
+        <p:spPr>
+          <a:xfrm flipH="1">
+            <a:off x="4393025" y="2501354"/>
+            <a:ext cx="1250" cy="307068"/>
+          </a:xfrm>
+          <a:prstGeom prst="line">
+            <a:avLst/>
+          </a:prstGeom>
+          <a:ln w="28575">
+            <a:solidFill>
+              <a:schemeClr val="tx1"/>
+            </a:solidFill>
+          </a:ln>
+        </p:spPr>
+        <p:style>
+          <a:lnRef idx="1">
+            <a:schemeClr val="accent1"/>
+          </a:lnRef>
+          <a:fillRef idx="0">
+            <a:schemeClr val="accent1"/>
+          </a:fillRef>
+          <a:effectRef idx="0">
+            <a:schemeClr val="accent1"/>
+          </a:effectRef>
+          <a:fontRef idx="minor">
+            <a:schemeClr val="tx1"/>
+          </a:fontRef>
+        </p:style>
+      </p:cxnSp>
+      <p:sp>
+        <p:nvSpPr>
+          <p:cNvPr id="37" name="TextBox 36">
+            <a:extLst>
+              <a:ext uri="{FF2B5EF4-FFF2-40B4-BE49-F238E27FC236}">
+                <a16:creationId xmlns:a16="http://schemas.microsoft.com/office/drawing/2014/main" id="{16BD1B64-1FE0-BFE8-7F4E-2DEB2EDC945D}"/>
               </a:ext>
             </a:extLst>
           </p:cNvPr>
@@ -5370,9 +5912,9 @@
           <p:nvPr/>
         </p:nvSpPr>
         <p:spPr>
-          <a:xfrm>
-            <a:off x="2358126" y="2239980"/>
-            <a:ext cx="550151" cy="369332"/>
+          <a:xfrm rot="16200000">
+            <a:off x="4252739" y="2146709"/>
+            <a:ext cx="619080" cy="307777"/>
           </a:xfrm>
           <a:prstGeom prst="rect">
             <a:avLst/>
@@ -5386,8 +5928,14 @@
           <a:lstStyle/>
           <a:p>
             <a:r>
-              <a:rPr lang="en-US" dirty="0"/>
-              <a:t>12V</a:t>
+              <a:rPr lang="en-US" sz="1400" dirty="0"/>
+              <a:t>100</a:t>
+            </a:r>
+            <a:r>
+              <a:rPr lang="en-US" sz="1400" dirty="0">
+                <a:latin typeface="SWGrekc" panose="00000400000000000000" pitchFamily="2" charset="0"/>
+              </a:rPr>
+              <a:t>W</a:t>
             </a:r>
           </a:p>
         </p:txBody>
